--- a/Article/WebTech/REST_API_Design_Guid/img/img.pptx
+++ b/Article/WebTech/REST_API_Design_Guid/img/img.pptx
@@ -3323,6 +3323,14 @@
 <file path=ppt/slides/slide1.xml><?xml version="1.0" encoding="utf-8"?>
 <p:sld xmlns:a="http://schemas.openxmlformats.org/drawingml/2006/main" xmlns:r="http://schemas.openxmlformats.org/officeDocument/2006/relationships" xmlns:p="http://schemas.openxmlformats.org/presentationml/2006/main">
   <p:cSld>
+    <p:bg>
+      <p:bgPr>
+        <a:solidFill>
+          <a:srgbClr val="00082A"/>
+        </a:solidFill>
+        <a:effectLst/>
+      </p:bgPr>
+    </p:bg>
     <p:spTree>
       <p:nvGrpSpPr>
         <p:cNvPr id="1" name=""/>
@@ -3337,6 +3345,198 @@
           <a:chExt cx="0" cy="0"/>
         </a:xfrm>
       </p:grpSpPr>
+      <p:sp>
+        <p:nvSpPr>
+          <p:cNvPr id="4" name="TextBox 3">
+            <a:extLst>
+              <a:ext uri="{FF2B5EF4-FFF2-40B4-BE49-F238E27FC236}">
+                <a16:creationId xmlns:a16="http://schemas.microsoft.com/office/drawing/2014/main" id="{200D3938-9424-EF45-8D61-4F95136E8575}"/>
+              </a:ext>
+            </a:extLst>
+          </p:cNvPr>
+          <p:cNvSpPr txBox="1"/>
+          <p:nvPr/>
+        </p:nvSpPr>
+        <p:spPr>
+          <a:xfrm>
+            <a:off x="3227540" y="2828835"/>
+            <a:ext cx="5736920" cy="1200329"/>
+          </a:xfrm>
+          <a:prstGeom prst="rect">
+            <a:avLst/>
+          </a:prstGeom>
+          <a:noFill/>
+        </p:spPr>
+        <p:txBody>
+          <a:bodyPr wrap="square" rtlCol="0">
+            <a:spAutoFit/>
+          </a:bodyPr>
+          <a:lstStyle/>
+          <a:p>
+            <a:pPr algn="ctr"/>
+            <a:r>
+              <a:rPr kumimoji="1" lang="en-US" altLang="ko-KR" sz="7200" b="1" dirty="0">
+                <a:solidFill>
+                  <a:schemeClr val="bg1"/>
+                </a:solidFill>
+                <a:latin typeface="NanumSquareOTF_ac ExtraBold" panose="020B0600000101010101" pitchFamily="34" charset="-127"/>
+                <a:ea typeface="NanumSquareOTF_ac ExtraBold" panose="020B0600000101010101" pitchFamily="34" charset="-127"/>
+              </a:rPr>
+              <a:t>REST API</a:t>
+            </a:r>
+            <a:endParaRPr kumimoji="1" lang="ko-KR" altLang="en-US" sz="7200" b="1" dirty="0">
+              <a:solidFill>
+                <a:schemeClr val="bg1"/>
+              </a:solidFill>
+              <a:latin typeface="NanumSquareOTF_ac ExtraBold" panose="020B0600000101010101" pitchFamily="34" charset="-127"/>
+              <a:ea typeface="NanumSquareOTF_ac ExtraBold" panose="020B0600000101010101" pitchFamily="34" charset="-127"/>
+            </a:endParaRPr>
+          </a:p>
+        </p:txBody>
+      </p:sp>
+      <p:sp>
+        <p:nvSpPr>
+          <p:cNvPr id="6" name="TextBox 5">
+            <a:extLst>
+              <a:ext uri="{FF2B5EF4-FFF2-40B4-BE49-F238E27FC236}">
+                <a16:creationId xmlns:a16="http://schemas.microsoft.com/office/drawing/2014/main" id="{7BBC6051-FA50-124B-9165-FFD8F7F32120}"/>
+              </a:ext>
+            </a:extLst>
+          </p:cNvPr>
+          <p:cNvSpPr txBox="1"/>
+          <p:nvPr/>
+        </p:nvSpPr>
+        <p:spPr>
+          <a:xfrm>
+            <a:off x="3492673" y="2803782"/>
+            <a:ext cx="490603" cy="1200329"/>
+          </a:xfrm>
+          <a:prstGeom prst="rect">
+            <a:avLst/>
+          </a:prstGeom>
+          <a:noFill/>
+        </p:spPr>
+        <p:txBody>
+          <a:bodyPr wrap="square" rtlCol="0">
+            <a:spAutoFit/>
+          </a:bodyPr>
+          <a:lstStyle/>
+          <a:p>
+            <a:pPr algn="ctr"/>
+            <a:r>
+              <a:rPr kumimoji="1" lang="en-US" altLang="ko-KR" sz="7200" b="1" dirty="0">
+                <a:solidFill>
+                  <a:srgbClr val="782FFF"/>
+                </a:solidFill>
+                <a:latin typeface="NanumSquareOTF_ac ExtraBold" panose="020B0600000101010101" pitchFamily="34" charset="-127"/>
+                <a:ea typeface="NanumSquareOTF_ac ExtraBold" panose="020B0600000101010101" pitchFamily="34" charset="-127"/>
+              </a:rPr>
+              <a:t>{</a:t>
+            </a:r>
+            <a:endParaRPr kumimoji="1" lang="ko-KR" altLang="en-US" sz="7200" b="1" dirty="0">
+              <a:solidFill>
+                <a:srgbClr val="782FFF"/>
+              </a:solidFill>
+              <a:latin typeface="NanumSquareOTF_ac ExtraBold" panose="020B0600000101010101" pitchFamily="34" charset="-127"/>
+              <a:ea typeface="NanumSquareOTF_ac ExtraBold" panose="020B0600000101010101" pitchFamily="34" charset="-127"/>
+            </a:endParaRPr>
+          </a:p>
+        </p:txBody>
+      </p:sp>
+      <p:sp>
+        <p:nvSpPr>
+          <p:cNvPr id="7" name="TextBox 6">
+            <a:extLst>
+              <a:ext uri="{FF2B5EF4-FFF2-40B4-BE49-F238E27FC236}">
+                <a16:creationId xmlns:a16="http://schemas.microsoft.com/office/drawing/2014/main" id="{E9DD80A6-8338-584D-8635-1A007D206DAE}"/>
+              </a:ext>
+            </a:extLst>
+          </p:cNvPr>
+          <p:cNvSpPr txBox="1"/>
+          <p:nvPr/>
+        </p:nvSpPr>
+        <p:spPr>
+          <a:xfrm>
+            <a:off x="8208726" y="2828835"/>
+            <a:ext cx="490603" cy="1200329"/>
+          </a:xfrm>
+          <a:prstGeom prst="rect">
+            <a:avLst/>
+          </a:prstGeom>
+          <a:noFill/>
+        </p:spPr>
+        <p:txBody>
+          <a:bodyPr wrap="square" rtlCol="0">
+            <a:spAutoFit/>
+          </a:bodyPr>
+          <a:lstStyle/>
+          <a:p>
+            <a:pPr algn="ctr"/>
+            <a:r>
+              <a:rPr kumimoji="1" lang="en-US" altLang="ko-KR" sz="7200" b="1" dirty="0">
+                <a:solidFill>
+                  <a:srgbClr val="782FFF"/>
+                </a:solidFill>
+                <a:latin typeface="NanumSquareOTF_ac ExtraBold" panose="020B0600000101010101" pitchFamily="34" charset="-127"/>
+                <a:ea typeface="NanumSquareOTF_ac ExtraBold" panose="020B0600000101010101" pitchFamily="34" charset="-127"/>
+              </a:rPr>
+              <a:t>}</a:t>
+            </a:r>
+            <a:endParaRPr kumimoji="1" lang="ko-KR" altLang="en-US" sz="7200" b="1" dirty="0">
+              <a:solidFill>
+                <a:srgbClr val="782FFF"/>
+              </a:solidFill>
+              <a:latin typeface="NanumSquareOTF_ac ExtraBold" panose="020B0600000101010101" pitchFamily="34" charset="-127"/>
+              <a:ea typeface="NanumSquareOTF_ac ExtraBold" panose="020B0600000101010101" pitchFamily="34" charset="-127"/>
+            </a:endParaRPr>
+          </a:p>
+        </p:txBody>
+      </p:sp>
+      <p:sp>
+        <p:nvSpPr>
+          <p:cNvPr id="11" name="TextBox 10">
+            <a:extLst>
+              <a:ext uri="{FF2B5EF4-FFF2-40B4-BE49-F238E27FC236}">
+                <a16:creationId xmlns:a16="http://schemas.microsoft.com/office/drawing/2014/main" id="{294197CB-868C-384F-B038-8EC59D6CD16F}"/>
+              </a:ext>
+            </a:extLst>
+          </p:cNvPr>
+          <p:cNvSpPr txBox="1"/>
+          <p:nvPr/>
+        </p:nvSpPr>
+        <p:spPr>
+          <a:xfrm>
+            <a:off x="3039649" y="4004111"/>
+            <a:ext cx="5924811" cy="461665"/>
+          </a:xfrm>
+          <a:prstGeom prst="rect">
+            <a:avLst/>
+          </a:prstGeom>
+          <a:noFill/>
+        </p:spPr>
+        <p:txBody>
+          <a:bodyPr wrap="square" rtlCol="0">
+            <a:spAutoFit/>
+          </a:bodyPr>
+          <a:lstStyle/>
+          <a:p>
+            <a:pPr algn="ctr"/>
+            <a:r>
+              <a:rPr lang="en" altLang="ko-KR" sz="2400" b="1" dirty="0">
+                <a:solidFill>
+                  <a:schemeClr val="bg1"/>
+                </a:solidFill>
+              </a:rPr>
+              <a:t> Best Practices for Better RESTful API</a:t>
+            </a:r>
+            <a:endParaRPr lang="en" altLang="ko-KR" sz="2400" dirty="0">
+              <a:solidFill>
+                <a:schemeClr val="bg1"/>
+              </a:solidFill>
+            </a:endParaRPr>
+          </a:p>
+        </p:txBody>
+      </p:sp>
     </p:spTree>
     <p:extLst>
       <p:ext uri="{BB962C8B-B14F-4D97-AF65-F5344CB8AC3E}">
